--- a/innovecs devops.pptx
+++ b/innovecs devops.pptx
@@ -4191,8 +4191,8 @@
         </p:nvSpPr>
         <p:spPr>
           <a:xfrm>
-            <a:off x="3989141" y="3855308"/>
-            <a:ext cx="4263218" cy="923330"/>
+            <a:off x="3252465" y="3805881"/>
+            <a:ext cx="5687070" cy="923330"/>
           </a:xfrm>
           <a:prstGeom prst="rect">
             <a:avLst/>
@@ -4205,6 +4205,7 @@
           </a:bodyPr>
           <a:lstStyle/>
           <a:p>
+            <a:pPr algn="ctr"/>
             <a:r>
               <a:rPr lang="en-US" dirty="0" smtClean="0"/>
               <a:t>Code used in </a:t>
@@ -4229,7 +4230,7 @@
               <a:rPr lang="en-US" dirty="0" smtClean="0">
                 <a:hlinkClick r:id="rId2"/>
               </a:rPr>
-              <a:t>github.com/akonokhov</a:t>
+              <a:t>github.com/akonokhov/presentation-innovecs-aws</a:t>
             </a:r>
             <a:endParaRPr lang="en-US" dirty="0" smtClean="0"/>
           </a:p>
